--- a/Chap 8 - DevOps preliminaries.pptx
+++ b/Chap 8 - DevOps preliminaries.pptx
@@ -5,10 +5,10 @@
     <p:sldMasterId id="2147483680" r:id="rId1"/>
   </p:sldMasterIdLst>
   <p:notesMasterIdLst>
-    <p:notesMasterId r:id="rId19"/>
+    <p:notesMasterId r:id="rId18"/>
   </p:notesMasterIdLst>
   <p:handoutMasterIdLst>
-    <p:handoutMasterId r:id="rId20"/>
+    <p:handoutMasterId r:id="rId19"/>
   </p:handoutMasterIdLst>
   <p:sldIdLst>
     <p:sldId id="256" r:id="rId2"/>
@@ -23,11 +23,10 @@
     <p:sldId id="265" r:id="rId11"/>
     <p:sldId id="266" r:id="rId12"/>
     <p:sldId id="273" r:id="rId13"/>
-    <p:sldId id="276" r:id="rId14"/>
-    <p:sldId id="274" r:id="rId15"/>
-    <p:sldId id="267" r:id="rId16"/>
-    <p:sldId id="268" r:id="rId17"/>
-    <p:sldId id="320" r:id="rId18"/>
+    <p:sldId id="274" r:id="rId14"/>
+    <p:sldId id="267" r:id="rId15"/>
+    <p:sldId id="268" r:id="rId16"/>
+    <p:sldId id="320" r:id="rId17"/>
   </p:sldIdLst>
   <p:sldSz cx="9144000" cy="6858000" type="screen4x3"/>
   <p:notesSz cx="7315200" cy="9601200"/>
@@ -1310,7 +1309,7 @@
           <a:effectLst/>
           <a:extLst>
             <a:ext uri="{AF507438-7753-43e0-B8FC-AC1667EBCBE1}">
-              <a14:hiddenEffects xmlns:a14="http://schemas.microsoft.com/office/drawing/2010/main" xmlns="">
+              <a14:hiddenEffects xmlns="" xmlns:a14="http://schemas.microsoft.com/office/drawing/2010/main">
                 <a:effectLst>
                   <a:outerShdw blurRad="63500" dist="38099" dir="2700000" algn="ctr" rotWithShape="0">
                     <a:schemeClr val="bg2">
@@ -1352,7 +1351,7 @@
           <a:effectLst/>
           <a:extLst>
             <a:ext uri="{AF507438-7753-43e0-B8FC-AC1667EBCBE1}">
-              <a14:hiddenEffects xmlns:a14="http://schemas.microsoft.com/office/drawing/2010/main" xmlns="">
+              <a14:hiddenEffects xmlns="" xmlns:a14="http://schemas.microsoft.com/office/drawing/2010/main">
                 <a:effectLst>
                   <a:outerShdw blurRad="63500" dist="38099" dir="2700000" algn="ctr" rotWithShape="0">
                     <a:schemeClr val="bg2">
@@ -2820,14 +2819,14 @@
           <a:effectLst/>
           <a:extLst>
             <a:ext uri="{909E8E84-426E-40dd-AFC4-6F175D3DCCD1}">
-              <a14:hiddenFill xmlns:a14="http://schemas.microsoft.com/office/drawing/2010/main" xmlns="">
+              <a14:hiddenFill xmlns="" xmlns:a14="http://schemas.microsoft.com/office/drawing/2010/main">
                 <a:solidFill>
                   <a:schemeClr val="accent1"/>
                 </a:solidFill>
               </a14:hiddenFill>
             </a:ext>
             <a:ext uri="{91240B29-F687-4f45-9708-019B960494DF}">
-              <a14:hiddenLine xmlns:a14="http://schemas.microsoft.com/office/drawing/2010/main" xmlns="" w="9525">
+              <a14:hiddenLine xmlns="" xmlns:a14="http://schemas.microsoft.com/office/drawing/2010/main" w="9525">
                 <a:solidFill>
                   <a:schemeClr val="tx1"/>
                 </a:solidFill>
@@ -2837,7 +2836,7 @@
               </a14:hiddenLine>
             </a:ext>
             <a:ext uri="{AF507438-7753-43e0-B8FC-AC1667EBCBE1}">
-              <a14:hiddenEffects xmlns:a14="http://schemas.microsoft.com/office/drawing/2010/main" xmlns="">
+              <a14:hiddenEffects xmlns="" xmlns:a14="http://schemas.microsoft.com/office/drawing/2010/main">
                 <a:effectLst>
                   <a:outerShdw blurRad="63500" dist="38099" dir="2700000" algn="ctr" rotWithShape="0">
                     <a:schemeClr val="bg2">
@@ -2848,7 +2847,7 @@
               </a14:hiddenEffects>
             </a:ext>
             <a:ext uri="{FAA26D3D-D897-4be2-8F04-BA451C77F1D7}">
-              <ma14:placeholderFlag xmlns:ma14="http://schemas.microsoft.com/office/mac/drawingml/2011/main" xmlns="" val="1"/>
+              <ma14:placeholderFlag xmlns="" xmlns:ma14="http://schemas.microsoft.com/office/mac/drawingml/2011/main" val="1"/>
             </a:ext>
           </a:extLst>
         </p:spPr>
@@ -2893,14 +2892,14 @@
           <a:effectLst/>
           <a:extLst>
             <a:ext uri="{909E8E84-426E-40dd-AFC4-6F175D3DCCD1}">
-              <a14:hiddenFill xmlns:a14="http://schemas.microsoft.com/office/drawing/2010/main" xmlns="">
+              <a14:hiddenFill xmlns="" xmlns:a14="http://schemas.microsoft.com/office/drawing/2010/main">
                 <a:solidFill>
                   <a:schemeClr val="accent1"/>
                 </a:solidFill>
               </a14:hiddenFill>
             </a:ext>
             <a:ext uri="{91240B29-F687-4f45-9708-019B960494DF}">
-              <a14:hiddenLine xmlns:a14="http://schemas.microsoft.com/office/drawing/2010/main" xmlns="" w="9525">
+              <a14:hiddenLine xmlns="" xmlns:a14="http://schemas.microsoft.com/office/drawing/2010/main" w="9525">
                 <a:solidFill>
                   <a:schemeClr val="tx1"/>
                 </a:solidFill>
@@ -2910,7 +2909,7 @@
               </a14:hiddenLine>
             </a:ext>
             <a:ext uri="{AF507438-7753-43e0-B8FC-AC1667EBCBE1}">
-              <a14:hiddenEffects xmlns:a14="http://schemas.microsoft.com/office/drawing/2010/main" xmlns="">
+              <a14:hiddenEffects xmlns="" xmlns:a14="http://schemas.microsoft.com/office/drawing/2010/main">
                 <a:effectLst>
                   <a:outerShdw blurRad="63500" dist="38099" dir="2700000" algn="ctr" rotWithShape="0">
                     <a:schemeClr val="bg2">
@@ -2921,7 +2920,7 @@
               </a14:hiddenEffects>
             </a:ext>
             <a:ext uri="{FAA26D3D-D897-4be2-8F04-BA451C77F1D7}">
-              <ma14:placeholderFlag xmlns:ma14="http://schemas.microsoft.com/office/mac/drawingml/2011/main" xmlns="" val="1"/>
+              <ma14:placeholderFlag xmlns="" xmlns:ma14="http://schemas.microsoft.com/office/mac/drawingml/2011/main" val="1"/>
             </a:ext>
           </a:extLst>
         </p:spPr>
@@ -4952,7 +4951,7 @@
         <p:spPr>
           <a:xfrm>
             <a:off x="687704" y="2137381"/>
-            <a:ext cx="5789296" cy="2177680"/>
+            <a:ext cx="5789296" cy="1744228"/>
           </a:xfrm>
           <a:prstGeom prst="rect">
             <a:avLst/>
@@ -5117,29 +5116,6 @@
                 <a:cs typeface="Calibri"/>
               </a:rPr>
               <a:t>languages</a:t>
-            </a:r>
-            <a:endParaRPr lang="en-US" sz="2400" spc="-4" dirty="0">
-              <a:latin typeface="Calibri"/>
-              <a:cs typeface="Calibri"/>
-            </a:endParaRPr>
-          </a:p>
-          <a:p>
-            <a:pPr marL="180975" indent="-171450">
-              <a:spcBef>
-                <a:spcPts val="495"/>
-              </a:spcBef>
-              <a:buFont typeface="Arial MT"/>
-              <a:buChar char="•"/>
-              <a:tabLst>
-                <a:tab pos="180975" algn="l"/>
-              </a:tabLst>
-            </a:pPr>
-            <a:r>
-              <a:rPr lang="en-US" sz="2400" b="1" spc="-4" dirty="0">
-                <a:latin typeface="Calibri"/>
-                <a:cs typeface="Calibri"/>
-              </a:rPr>
-              <a:t>Strongly typed vs weakly typed languages.</a:t>
             </a:r>
             <a:endParaRPr sz="2400" b="1" dirty="0">
               <a:latin typeface="Calibri"/>
@@ -5255,174 +5231,6 @@
 </file>
 
 <file path=ppt/slides/slide13.xml><?xml version="1.0" encoding="utf-8"?>
-<p:sld xmlns:a="http://schemas.openxmlformats.org/drawingml/2006/main" xmlns:r="http://schemas.openxmlformats.org/officeDocument/2006/relationships" xmlns:p="http://schemas.openxmlformats.org/presentationml/2006/main">
-  <p:cSld>
-    <p:spTree>
-      <p:nvGrpSpPr>
-        <p:cNvPr id="1" name=""/>
-        <p:cNvGrpSpPr/>
-        <p:nvPr/>
-      </p:nvGrpSpPr>
-      <p:grpSpPr>
-        <a:xfrm>
-          <a:off x="0" y="0"/>
-          <a:ext cx="0" cy="0"/>
-          <a:chOff x="0" y="0"/>
-          <a:chExt cx="0" cy="0"/>
-        </a:xfrm>
-      </p:grpSpPr>
-      <p:sp>
-        <p:nvSpPr>
-          <p:cNvPr id="2" name="Title 1">
-            <a:extLst>
-              <a:ext uri="{FF2B5EF4-FFF2-40B4-BE49-F238E27FC236}">
-                <a16:creationId xmlns:a16="http://schemas.microsoft.com/office/drawing/2014/main" id="{B5403E47-6FB0-C090-64F5-7B94709FA2BD}"/>
-              </a:ext>
-            </a:extLst>
-          </p:cNvPr>
-          <p:cNvSpPr>
-            <a:spLocks noGrp="1"/>
-          </p:cNvSpPr>
-          <p:nvPr>
-            <p:ph type="title"/>
-          </p:nvPr>
-        </p:nvSpPr>
-        <p:spPr/>
-        <p:txBody>
-          <a:bodyPr/>
-          <a:lstStyle/>
-          <a:p>
-            <a:r>
-              <a:rPr lang="en-US" dirty="0"/>
-              <a:t>Strong vs weak typing</a:t>
-            </a:r>
-          </a:p>
-        </p:txBody>
-      </p:sp>
-      <p:sp>
-        <p:nvSpPr>
-          <p:cNvPr id="3" name="Content Placeholder 2">
-            <a:extLst>
-              <a:ext uri="{FF2B5EF4-FFF2-40B4-BE49-F238E27FC236}">
-                <a16:creationId xmlns:a16="http://schemas.microsoft.com/office/drawing/2014/main" id="{75FB3401-CD29-8A54-A4A9-AA6771DF5A5C}"/>
-              </a:ext>
-            </a:extLst>
-          </p:cNvPr>
-          <p:cNvSpPr>
-            <a:spLocks noGrp="1"/>
-          </p:cNvSpPr>
-          <p:nvPr>
-            <p:ph idx="1"/>
-          </p:nvPr>
-        </p:nvSpPr>
-        <p:spPr/>
-        <p:txBody>
-          <a:bodyPr/>
-          <a:lstStyle/>
-          <a:p>
-            <a:r>
-              <a:rPr lang="en-US" sz="2400" dirty="0"/>
-              <a:t>Is 138 an integer, a real number, or a string when it appears in a program?</a:t>
-            </a:r>
-          </a:p>
-          <a:p>
-            <a:r>
-              <a:rPr lang="en-US" sz="2400" dirty="0"/>
-              <a:t>A strongly typed language such as C, C++, or Java requires all variables to be declared as a specific type.</a:t>
-            </a:r>
-          </a:p>
-          <a:p>
-            <a:r>
-              <a:rPr lang="en-US" sz="2400" dirty="0"/>
-              <a:t>A weakly typed language such as Perl or PHP determines the type from context.</a:t>
-            </a:r>
-          </a:p>
-        </p:txBody>
-      </p:sp>
-      <p:sp>
-        <p:nvSpPr>
-          <p:cNvPr id="4" name="Footer Placeholder 3">
-            <a:extLst>
-              <a:ext uri="{FF2B5EF4-FFF2-40B4-BE49-F238E27FC236}">
-                <a16:creationId xmlns:a16="http://schemas.microsoft.com/office/drawing/2014/main" id="{0BDEEAC4-8358-E03B-A535-35AD52F210B6}"/>
-              </a:ext>
-            </a:extLst>
-          </p:cNvPr>
-          <p:cNvSpPr>
-            <a:spLocks noGrp="1"/>
-          </p:cNvSpPr>
-          <p:nvPr>
-            <p:ph type="ftr" sz="quarter" idx="5"/>
-          </p:nvPr>
-        </p:nvSpPr>
-        <p:spPr/>
-        <p:txBody>
-          <a:bodyPr/>
-          <a:lstStyle/>
-          <a:p>
-            <a:pPr marL="9525">
-              <a:lnSpc>
-                <a:spcPts val="930"/>
-              </a:lnSpc>
-            </a:pPr>
-            <a:r>
-              <a:rPr lang="en-US" spc="-5"/>
-              <a:t>©Len</a:t>
-            </a:r>
-            <a:r>
-              <a:rPr lang="en-US" spc="-20"/>
-              <a:t> </a:t>
-            </a:r>
-            <a:r>
-              <a:rPr lang="en-US" spc="-5"/>
-              <a:t>Bass</a:t>
-            </a:r>
-            <a:r>
-              <a:rPr lang="en-US"/>
-              <a:t> and</a:t>
-            </a:r>
-            <a:r>
-              <a:rPr lang="en-US" spc="-30"/>
-              <a:t> </a:t>
-            </a:r>
-            <a:r>
-              <a:rPr lang="en-US"/>
-              <a:t>John</a:t>
-            </a:r>
-            <a:r>
-              <a:rPr lang="en-US" spc="-15"/>
-              <a:t> </a:t>
-            </a:r>
-            <a:r>
-              <a:rPr lang="en-US"/>
-              <a:t>Klein</a:t>
-            </a:r>
-            <a:r>
-              <a:rPr lang="en-US" spc="-15"/>
-              <a:t> </a:t>
-            </a:r>
-            <a:r>
-              <a:rPr lang="en-US"/>
-              <a:t>2022</a:t>
-            </a:r>
-            <a:endParaRPr lang="en-US" dirty="0"/>
-          </a:p>
-        </p:txBody>
-      </p:sp>
-    </p:spTree>
-    <p:extLst>
-      <p:ext uri="{BB962C8B-B14F-4D97-AF65-F5344CB8AC3E}">
-        <p14:creationId xmlns:p14="http://schemas.microsoft.com/office/powerpoint/2010/main" val="2948829590"/>
-      </p:ext>
-    </p:extLst>
-  </p:cSld>
-  <p:clrMapOvr>
-    <a:masterClrMapping/>
-  </p:clrMapOvr>
-</p:sld>
-</file>
-
-<file path=ppt/slides/slide14.xml><?xml version="1.0" encoding="utf-8"?>
 <p:sld xmlns:a="http://schemas.openxmlformats.org/drawingml/2006/main" xmlns:r="http://schemas.openxmlformats.org/officeDocument/2006/relationships" xmlns:p="http://schemas.openxmlformats.org/presentationml/2006/main">
   <p:cSld>
     <p:spTree>
@@ -5538,7 +5346,7 @@
                   <a:spcPts val="930"/>
                 </a:lnSpc>
               </a:pPr>
-              <a:t>14</a:t>
+              <a:t>13</a:t>
             </a:fld>
             <a:endParaRPr sz="900">
               <a:latin typeface="Calibri"/>
@@ -5556,7 +5364,7 @@
         <p:spPr>
           <a:xfrm>
             <a:off x="687704" y="2137381"/>
-            <a:ext cx="5789296" cy="2177680"/>
+            <a:ext cx="5789296" cy="1744228"/>
           </a:xfrm>
           <a:prstGeom prst="rect">
             <a:avLst/>
@@ -5721,29 +5529,6 @@
                 <a:cs typeface="Calibri"/>
               </a:rPr>
               <a:t>languages</a:t>
-            </a:r>
-            <a:endParaRPr lang="en-US" sz="2400" spc="-4" dirty="0">
-              <a:latin typeface="Calibri"/>
-              <a:cs typeface="Calibri"/>
-            </a:endParaRPr>
-          </a:p>
-          <a:p>
-            <a:pPr marL="180975" indent="-171450">
-              <a:spcBef>
-                <a:spcPts val="495"/>
-              </a:spcBef>
-              <a:buFont typeface="Arial MT"/>
-              <a:buChar char="•"/>
-              <a:tabLst>
-                <a:tab pos="180975" algn="l"/>
-              </a:tabLst>
-            </a:pPr>
-            <a:r>
-              <a:rPr lang="en-US" sz="2400" spc="-4" dirty="0">
-                <a:latin typeface="Calibri"/>
-                <a:cs typeface="Calibri"/>
-              </a:rPr>
-              <a:t>Strongly typed vs weakly typed languages.</a:t>
             </a:r>
             <a:endParaRPr sz="2400" dirty="0">
               <a:latin typeface="Calibri"/>
@@ -5858,7 +5643,7 @@
 </p:sld>
 </file>
 
-<file path=ppt/slides/slide15.xml><?xml version="1.0" encoding="utf-8"?>
+<file path=ppt/slides/slide14.xml><?xml version="1.0" encoding="utf-8"?>
 <p:sld xmlns:a="http://schemas.openxmlformats.org/drawingml/2006/main" xmlns:r="http://schemas.openxmlformats.org/officeDocument/2006/relationships" xmlns:p="http://schemas.openxmlformats.org/presentationml/2006/main">
   <p:cSld>
     <p:spTree>
@@ -6630,7 +6415,7 @@
 </p:sld>
 </file>
 
-<file path=ppt/slides/slide16.xml><?xml version="1.0" encoding="utf-8"?>
+<file path=ppt/slides/slide15.xml><?xml version="1.0" encoding="utf-8"?>
 <p:sld xmlns:a="http://schemas.openxmlformats.org/drawingml/2006/main" xmlns:r="http://schemas.openxmlformats.org/officeDocument/2006/relationships" xmlns:p="http://schemas.openxmlformats.org/presentationml/2006/main">
   <p:cSld>
     <p:spTree>
@@ -7731,7 +7516,7 @@
 </p:sld>
 </file>
 
-<file path=ppt/slides/slide17.xml><?xml version="1.0" encoding="utf-8"?>
+<file path=ppt/slides/slide16.xml><?xml version="1.0" encoding="utf-8"?>
 <p:sld xmlns:a="http://schemas.openxmlformats.org/drawingml/2006/main" xmlns:r="http://schemas.openxmlformats.org/officeDocument/2006/relationships" xmlns:p="http://schemas.openxmlformats.org/presentationml/2006/main">
   <p:cSld>
     <p:spTree>
@@ -8180,7 +7965,7 @@
         <p:spPr>
           <a:xfrm>
             <a:off x="687704" y="2137381"/>
-            <a:ext cx="5789296" cy="2177680"/>
+            <a:ext cx="5789296" cy="1744228"/>
           </a:xfrm>
           <a:prstGeom prst="rect">
             <a:avLst/>
@@ -8345,29 +8130,6 @@
                 <a:cs typeface="Calibri"/>
               </a:rPr>
               <a:t>languages</a:t>
-            </a:r>
-            <a:endParaRPr lang="en-US" sz="2400" spc="-4" dirty="0">
-              <a:latin typeface="Calibri"/>
-              <a:cs typeface="Calibri"/>
-            </a:endParaRPr>
-          </a:p>
-          <a:p>
-            <a:pPr marL="180975" indent="-171450">
-              <a:spcBef>
-                <a:spcPts val="495"/>
-              </a:spcBef>
-              <a:buFont typeface="Arial MT"/>
-              <a:buChar char="•"/>
-              <a:tabLst>
-                <a:tab pos="180975" algn="l"/>
-              </a:tabLst>
-            </a:pPr>
-            <a:r>
-              <a:rPr lang="en-US" sz="2400" spc="-4" dirty="0">
-                <a:latin typeface="Calibri"/>
-                <a:cs typeface="Calibri"/>
-              </a:rPr>
-              <a:t>Strongly typed vs weakly typed languages.</a:t>
             </a:r>
             <a:endParaRPr sz="2400" dirty="0">
               <a:latin typeface="Calibri"/>
@@ -13899,7 +13661,7 @@
         <p:spPr>
           <a:xfrm>
             <a:off x="687704" y="2137381"/>
-            <a:ext cx="5789296" cy="2177680"/>
+            <a:ext cx="5789296" cy="1744228"/>
           </a:xfrm>
           <a:prstGeom prst="rect">
             <a:avLst/>
@@ -14064,29 +13826,6 @@
                 <a:cs typeface="Calibri"/>
               </a:rPr>
               <a:t>languages</a:t>
-            </a:r>
-            <a:endParaRPr lang="en-US" sz="2400" spc="-4" dirty="0">
-              <a:latin typeface="Calibri"/>
-              <a:cs typeface="Calibri"/>
-            </a:endParaRPr>
-          </a:p>
-          <a:p>
-            <a:pPr marL="180975" indent="-171450">
-              <a:spcBef>
-                <a:spcPts val="495"/>
-              </a:spcBef>
-              <a:buFont typeface="Arial MT"/>
-              <a:buChar char="•"/>
-              <a:tabLst>
-                <a:tab pos="180975" algn="l"/>
-              </a:tabLst>
-            </a:pPr>
-            <a:r>
-              <a:rPr lang="en-US" sz="2400" spc="-4" dirty="0">
-                <a:latin typeface="Calibri"/>
-                <a:cs typeface="Calibri"/>
-              </a:rPr>
-              <a:t>Strongly typed vs weakly typed languages.</a:t>
             </a:r>
             <a:endParaRPr sz="2400" dirty="0">
               <a:latin typeface="Calibri"/>
@@ -15216,7 +14955,7 @@
         <p:spPr>
           <a:xfrm>
             <a:off x="687704" y="2137381"/>
-            <a:ext cx="5789296" cy="2177680"/>
+            <a:ext cx="5789296" cy="1744228"/>
           </a:xfrm>
           <a:prstGeom prst="rect">
             <a:avLst/>
@@ -15381,29 +15120,6 @@
                 <a:cs typeface="Calibri"/>
               </a:rPr>
               <a:t>languages</a:t>
-            </a:r>
-            <a:endParaRPr lang="en-US" sz="2400" b="1" spc="-4" dirty="0">
-              <a:latin typeface="Calibri"/>
-              <a:cs typeface="Calibri"/>
-            </a:endParaRPr>
-          </a:p>
-          <a:p>
-            <a:pPr marL="180975" indent="-171450">
-              <a:spcBef>
-                <a:spcPts val="495"/>
-              </a:spcBef>
-              <a:buFont typeface="Arial MT"/>
-              <a:buChar char="•"/>
-              <a:tabLst>
-                <a:tab pos="180975" algn="l"/>
-              </a:tabLst>
-            </a:pPr>
-            <a:r>
-              <a:rPr lang="en-US" sz="2400" spc="-4" dirty="0">
-                <a:latin typeface="Calibri"/>
-                <a:cs typeface="Calibri"/>
-              </a:rPr>
-              <a:t>Strongly typed vs weakly typed languages.</a:t>
             </a:r>
             <a:endParaRPr sz="2400" dirty="0">
               <a:latin typeface="Calibri"/>
@@ -15764,7 +15480,7 @@
         <a:effectLst/>
         <a:extLst>
           <a:ext uri="{AF507438-7753-43e0-B8FC-AC1667EBCBE1}">
-            <a14:hiddenEffects xmlns:a14="http://schemas.microsoft.com/office/drawing/2010/main" xmlns="">
+            <a14:hiddenEffects xmlns="" xmlns:a14="http://schemas.microsoft.com/office/drawing/2010/main">
               <a:effectLst>
                 <a:outerShdw blurRad="63500" dist="38099" dir="2700000" algn="ctr" rotWithShape="0">
                   <a:schemeClr val="bg2">
@@ -15841,7 +15557,7 @@
         <a:effectLst/>
         <a:extLst>
           <a:ext uri="{AF507438-7753-43e0-B8FC-AC1667EBCBE1}">
-            <a14:hiddenEffects xmlns:a14="http://schemas.microsoft.com/office/drawing/2010/main" xmlns="">
+            <a14:hiddenEffects xmlns="" xmlns:a14="http://schemas.microsoft.com/office/drawing/2010/main">
               <a:effectLst>
                 <a:outerShdw blurRad="63500" dist="38099" dir="2700000" algn="ctr" rotWithShape="0">
                   <a:schemeClr val="bg2">
